--- a/Sprint/Sprint 2/Apresentção.pptx
+++ b/Sprint/Sprint 2/Apresentção.pptx
@@ -11348,7 +11348,7 @@
           <a:p>
             <a:fld id="{5DBDDF98-C922-483F-97E9-3E76B0201B42}" type="datetimeFigureOut">
               <a:rPr lang="en-US" smtClean="0"/>
-              <a:t>4/17/2024</a:t>
+              <a:t>6/17/2024</a:t>
             </a:fld>
             <a:endParaRPr lang="en-US"/>
           </a:p>
@@ -11586,7 +11586,7 @@
           <a:p>
             <a:fld id="{5DBDDF98-C922-483F-97E9-3E76B0201B42}" type="datetimeFigureOut">
               <a:rPr lang="en-US" smtClean="0"/>
-              <a:t>4/17/2024</a:t>
+              <a:t>6/17/2024</a:t>
             </a:fld>
             <a:endParaRPr lang="en-US"/>
           </a:p>
@@ -11794,7 +11794,7 @@
           <a:p>
             <a:fld id="{5DBDDF98-C922-483F-97E9-3E76B0201B42}" type="datetimeFigureOut">
               <a:rPr lang="en-US" smtClean="0"/>
-              <a:t>4/17/2024</a:t>
+              <a:t>6/17/2024</a:t>
             </a:fld>
             <a:endParaRPr lang="en-US"/>
           </a:p>
@@ -11992,7 +11992,7 @@
           <a:p>
             <a:fld id="{5DBDDF98-C922-483F-97E9-3E76B0201B42}" type="datetimeFigureOut">
               <a:rPr lang="en-US" smtClean="0"/>
-              <a:t>4/17/2024</a:t>
+              <a:t>6/17/2024</a:t>
             </a:fld>
             <a:endParaRPr lang="en-US"/>
           </a:p>
@@ -12269,7 +12269,7 @@
           <a:p>
             <a:fld id="{5DBDDF98-C922-483F-97E9-3E76B0201B42}" type="datetimeFigureOut">
               <a:rPr lang="en-US" smtClean="0"/>
-              <a:t>4/17/2024</a:t>
+              <a:t>6/17/2024</a:t>
             </a:fld>
             <a:endParaRPr lang="en-US"/>
           </a:p>
@@ -12534,7 +12534,7 @@
           <a:p>
             <a:fld id="{5DBDDF98-C922-483F-97E9-3E76B0201B42}" type="datetimeFigureOut">
               <a:rPr lang="en-US" smtClean="0"/>
-              <a:t>4/17/2024</a:t>
+              <a:t>6/17/2024</a:t>
             </a:fld>
             <a:endParaRPr lang="en-US"/>
           </a:p>
@@ -12950,7 +12950,7 @@
           <a:p>
             <a:fld id="{5DBDDF98-C922-483F-97E9-3E76B0201B42}" type="datetimeFigureOut">
               <a:rPr lang="en-US" smtClean="0"/>
-              <a:t>4/17/2024</a:t>
+              <a:t>6/17/2024</a:t>
             </a:fld>
             <a:endParaRPr lang="en-US"/>
           </a:p>
@@ -13177,7 +13177,7 @@
           <a:p>
             <a:fld id="{5DBDDF98-C922-483F-97E9-3E76B0201B42}" type="datetimeFigureOut">
               <a:rPr lang="en-US" smtClean="0"/>
-              <a:t>4/17/2024</a:t>
+              <a:t>6/17/2024</a:t>
             </a:fld>
             <a:endParaRPr lang="en-US"/>
           </a:p>
@@ -13290,7 +13290,7 @@
           <a:p>
             <a:fld id="{5DBDDF98-C922-483F-97E9-3E76B0201B42}" type="datetimeFigureOut">
               <a:rPr lang="en-US" smtClean="0"/>
-              <a:t>4/17/2024</a:t>
+              <a:t>6/17/2024</a:t>
             </a:fld>
             <a:endParaRPr lang="en-US"/>
           </a:p>
@@ -13607,7 +13607,7 @@
           <a:p>
             <a:fld id="{5DBDDF98-C922-483F-97E9-3E76B0201B42}" type="datetimeFigureOut">
               <a:rPr lang="en-US" smtClean="0"/>
-              <a:t>4/17/2024</a:t>
+              <a:t>6/17/2024</a:t>
             </a:fld>
             <a:endParaRPr lang="en-US"/>
           </a:p>
@@ -13899,7 +13899,7 @@
           <a:p>
             <a:fld id="{5DBDDF98-C922-483F-97E9-3E76B0201B42}" type="datetimeFigureOut">
               <a:rPr lang="en-US" smtClean="0"/>
-              <a:t>4/17/2024</a:t>
+              <a:t>6/17/2024</a:t>
             </a:fld>
             <a:endParaRPr lang="en-US"/>
           </a:p>
@@ -14140,7 +14140,7 @@
             <a:fld id="{5DBDDF98-C922-483F-97E9-3E76B0201B42}" type="datetimeFigureOut">
               <a:rPr lang="en-US" smtClean="0"/>
               <a:pPr/>
-              <a:t>4/17/2024</a:t>
+              <a:t>6/17/2024</a:t>
             </a:fld>
             <a:endParaRPr lang="en-US"/>
           </a:p>
@@ -17800,7 +17800,7 @@
                 <a:effectLst/>
                 <a:latin typeface="OpenSans"/>
               </a:rPr>
-              <a:t>sprint</a:t>
+              <a:t>sprint º.3</a:t>
             </a:r>
             <a:r>
               <a:rPr lang="pt-PT" sz="2200" b="0" i="0" dirty="0">
